--- a/DeepHumanPrediction/Code/Master_Thesis/Presentation/Presentation.pptx
+++ b/DeepHumanPrediction/Code/Master_Thesis/Presentation/Presentation.pptx
@@ -179,7 +179,7 @@
       </p14:sectionLst>
     </p:ext>
     <p:ext uri="{EFAFB233-063F-42B5-8137-9DF3F51BA10A}">
-      <p15:sldGuideLst xmlns="" xmlns:p15="http://schemas.microsoft.com/office/powerpoint/2012/main">
+      <p15:sldGuideLst xmlns:p15="http://schemas.microsoft.com/office/powerpoint/2012/main" xmlns="">
         <p15:guide id="1" orient="horz" pos="2160" userDrawn="1">
           <p15:clr>
             <a:srgbClr val="A4A3A4"/>
@@ -6734,7 +6734,7 @@
           <p:cNvPr id="7" name="그림 6">
             <a:extLst>
               <a:ext uri="{FF2B5EF4-FFF2-40B4-BE49-F238E27FC236}">
-                <a16:creationId xmlns="" xmlns:a16="http://schemas.microsoft.com/office/drawing/2014/main" id="{A9C90B28-BE75-4AB6-B534-7442C4B24ED6}"/>
+                <a16:creationId xmlns:a16="http://schemas.microsoft.com/office/drawing/2014/main" xmlns="" id="{A9C90B28-BE75-4AB6-B534-7442C4B24ED6}"/>
               </a:ext>
             </a:extLst>
           </p:cNvPr>
@@ -6808,7 +6808,7 @@
           <p:cNvPr id="2" name="그룹 1">
             <a:extLst>
               <a:ext uri="{FF2B5EF4-FFF2-40B4-BE49-F238E27FC236}">
-                <a16:creationId xmlns="" xmlns:a16="http://schemas.microsoft.com/office/drawing/2014/main" id="{D38FE608-8D17-49BB-972B-A46D5CF18168}"/>
+                <a16:creationId xmlns:a16="http://schemas.microsoft.com/office/drawing/2014/main" xmlns="" id="{D38FE608-8D17-49BB-972B-A46D5CF18168}"/>
               </a:ext>
             </a:extLst>
           </p:cNvPr>
@@ -7515,7 +7515,7 @@
           <p:cNvPr id="15" name="그림 14">
             <a:extLst>
               <a:ext uri="{FF2B5EF4-FFF2-40B4-BE49-F238E27FC236}">
-                <a16:creationId xmlns="" xmlns:a16="http://schemas.microsoft.com/office/drawing/2014/main" id="{A9C90B28-BE75-4AB6-B534-7442C4B24ED6}"/>
+                <a16:creationId xmlns:a16="http://schemas.microsoft.com/office/drawing/2014/main" xmlns="" id="{A9C90B28-BE75-4AB6-B534-7442C4B24ED6}"/>
               </a:ext>
             </a:extLst>
           </p:cNvPr>
@@ -8179,7 +8179,7 @@
           <p:cNvPr id="2" name="그룹 1">
             <a:extLst>
               <a:ext uri="{FF2B5EF4-FFF2-40B4-BE49-F238E27FC236}">
-                <a16:creationId xmlns="" xmlns:a16="http://schemas.microsoft.com/office/drawing/2014/main" id="{D38FE608-8D17-49BB-972B-A46D5CF18168}"/>
+                <a16:creationId xmlns:a16="http://schemas.microsoft.com/office/drawing/2014/main" xmlns="" id="{D38FE608-8D17-49BB-972B-A46D5CF18168}"/>
               </a:ext>
             </a:extLst>
           </p:cNvPr>
@@ -8951,7 +8951,7 @@
           <p:cNvPr id="9" name="그림 8">
             <a:extLst>
               <a:ext uri="{FF2B5EF4-FFF2-40B4-BE49-F238E27FC236}">
-                <a16:creationId xmlns="" xmlns:a16="http://schemas.microsoft.com/office/drawing/2014/main" id="{A9C90B28-BE75-4AB6-B534-7442C4B24ED6}"/>
+                <a16:creationId xmlns:a16="http://schemas.microsoft.com/office/drawing/2014/main" xmlns="" id="{A9C90B28-BE75-4AB6-B534-7442C4B24ED6}"/>
               </a:ext>
             </a:extLst>
           </p:cNvPr>
@@ -10165,7 +10165,7 @@
           <p:cNvPr id="2" name="그룹 1">
             <a:extLst>
               <a:ext uri="{FF2B5EF4-FFF2-40B4-BE49-F238E27FC236}">
-                <a16:creationId xmlns="" xmlns:a16="http://schemas.microsoft.com/office/drawing/2014/main" id="{D38FE608-8D17-49BB-972B-A46D5CF18168}"/>
+                <a16:creationId xmlns:a16="http://schemas.microsoft.com/office/drawing/2014/main" xmlns="" id="{D38FE608-8D17-49BB-972B-A46D5CF18168}"/>
               </a:ext>
             </a:extLst>
           </p:cNvPr>
@@ -10945,7 +10945,7 @@
           <p:cNvPr id="9" name="그림 8">
             <a:extLst>
               <a:ext uri="{FF2B5EF4-FFF2-40B4-BE49-F238E27FC236}">
-                <a16:creationId xmlns="" xmlns:a16="http://schemas.microsoft.com/office/drawing/2014/main" id="{A9C90B28-BE75-4AB6-B534-7442C4B24ED6}"/>
+                <a16:creationId xmlns:a16="http://schemas.microsoft.com/office/drawing/2014/main" xmlns="" id="{A9C90B28-BE75-4AB6-B534-7442C4B24ED6}"/>
               </a:ext>
             </a:extLst>
           </p:cNvPr>
@@ -12119,7 +12119,7 @@
           <p:cNvPr id="2" name="그룹 1">
             <a:extLst>
               <a:ext uri="{FF2B5EF4-FFF2-40B4-BE49-F238E27FC236}">
-                <a16:creationId xmlns="" xmlns:a16="http://schemas.microsoft.com/office/drawing/2014/main" id="{D38FE608-8D17-49BB-972B-A46D5CF18168}"/>
+                <a16:creationId xmlns:a16="http://schemas.microsoft.com/office/drawing/2014/main" xmlns="" id="{D38FE608-8D17-49BB-972B-A46D5CF18168}"/>
               </a:ext>
             </a:extLst>
           </p:cNvPr>
@@ -12809,7 +12809,7 @@
           <p:cNvPr id="9" name="그림 8">
             <a:extLst>
               <a:ext uri="{FF2B5EF4-FFF2-40B4-BE49-F238E27FC236}">
-                <a16:creationId xmlns="" xmlns:a16="http://schemas.microsoft.com/office/drawing/2014/main" id="{A9C90B28-BE75-4AB6-B534-7442C4B24ED6}"/>
+                <a16:creationId xmlns:a16="http://schemas.microsoft.com/office/drawing/2014/main" xmlns="" id="{A9C90B28-BE75-4AB6-B534-7442C4B24ED6}"/>
               </a:ext>
             </a:extLst>
           </p:cNvPr>
@@ -14661,7 +14661,7 @@
           <p:cNvPr id="2" name="그룹 1">
             <a:extLst>
               <a:ext uri="{FF2B5EF4-FFF2-40B4-BE49-F238E27FC236}">
-                <a16:creationId xmlns="" xmlns:a16="http://schemas.microsoft.com/office/drawing/2014/main" id="{D38FE608-8D17-49BB-972B-A46D5CF18168}"/>
+                <a16:creationId xmlns:a16="http://schemas.microsoft.com/office/drawing/2014/main" xmlns="" id="{D38FE608-8D17-49BB-972B-A46D5CF18168}"/>
               </a:ext>
             </a:extLst>
           </p:cNvPr>
@@ -15374,7 +15374,7 @@
           <p:cNvPr id="9" name="그림 8">
             <a:extLst>
               <a:ext uri="{FF2B5EF4-FFF2-40B4-BE49-F238E27FC236}">
-                <a16:creationId xmlns="" xmlns:a16="http://schemas.microsoft.com/office/drawing/2014/main" id="{A9C90B28-BE75-4AB6-B534-7442C4B24ED6}"/>
+                <a16:creationId xmlns:a16="http://schemas.microsoft.com/office/drawing/2014/main" xmlns="" id="{A9C90B28-BE75-4AB6-B534-7442C4B24ED6}"/>
               </a:ext>
             </a:extLst>
           </p:cNvPr>
@@ -16870,7 +16870,7 @@
           <p:cNvPr id="2" name="그룹 1">
             <a:extLst>
               <a:ext uri="{FF2B5EF4-FFF2-40B4-BE49-F238E27FC236}">
-                <a16:creationId xmlns="" xmlns:a16="http://schemas.microsoft.com/office/drawing/2014/main" id="{D38FE608-8D17-49BB-972B-A46D5CF18168}"/>
+                <a16:creationId xmlns:a16="http://schemas.microsoft.com/office/drawing/2014/main" xmlns="" id="{D38FE608-8D17-49BB-972B-A46D5CF18168}"/>
               </a:ext>
             </a:extLst>
           </p:cNvPr>
@@ -17594,7 +17594,7 @@
           <p:cNvPr id="9" name="그림 8">
             <a:extLst>
               <a:ext uri="{FF2B5EF4-FFF2-40B4-BE49-F238E27FC236}">
-                <a16:creationId xmlns="" xmlns:a16="http://schemas.microsoft.com/office/drawing/2014/main" id="{A9C90B28-BE75-4AB6-B534-7442C4B24ED6}"/>
+                <a16:creationId xmlns:a16="http://schemas.microsoft.com/office/drawing/2014/main" xmlns="" id="{A9C90B28-BE75-4AB6-B534-7442C4B24ED6}"/>
               </a:ext>
             </a:extLst>
           </p:cNvPr>
@@ -18328,7 +18328,7 @@
           <p:cNvPr id="2" name="그룹 1">
             <a:extLst>
               <a:ext uri="{FF2B5EF4-FFF2-40B4-BE49-F238E27FC236}">
-                <a16:creationId xmlns="" xmlns:a16="http://schemas.microsoft.com/office/drawing/2014/main" id="{D38FE608-8D17-49BB-972B-A46D5CF18168}"/>
+                <a16:creationId xmlns:a16="http://schemas.microsoft.com/office/drawing/2014/main" xmlns="" id="{D38FE608-8D17-49BB-972B-A46D5CF18168}"/>
               </a:ext>
             </a:extLst>
           </p:cNvPr>
@@ -19018,7 +19018,7 @@
           <p:cNvPr id="9" name="그림 8">
             <a:extLst>
               <a:ext uri="{FF2B5EF4-FFF2-40B4-BE49-F238E27FC236}">
-                <a16:creationId xmlns="" xmlns:a16="http://schemas.microsoft.com/office/drawing/2014/main" id="{A9C90B28-BE75-4AB6-B534-7442C4B24ED6}"/>
+                <a16:creationId xmlns:a16="http://schemas.microsoft.com/office/drawing/2014/main" xmlns="" id="{A9C90B28-BE75-4AB6-B534-7442C4B24ED6}"/>
               </a:ext>
             </a:extLst>
           </p:cNvPr>
@@ -19503,7 +19503,7 @@
           <p:cNvPr id="9" name="그림 8">
             <a:extLst>
               <a:ext uri="{FF2B5EF4-FFF2-40B4-BE49-F238E27FC236}">
-                <a16:creationId xmlns="" xmlns:a16="http://schemas.microsoft.com/office/drawing/2014/main" id="{A9C90B28-BE75-4AB6-B534-7442C4B24ED6}"/>
+                <a16:creationId xmlns:a16="http://schemas.microsoft.com/office/drawing/2014/main" xmlns="" id="{A9C90B28-BE75-4AB6-B534-7442C4B24ED6}"/>
               </a:ext>
             </a:extLst>
           </p:cNvPr>
@@ -21052,7 +21052,7 @@
           <p:cNvPr id="54" name="그룹 53">
             <a:extLst>
               <a:ext uri="{FF2B5EF4-FFF2-40B4-BE49-F238E27FC236}">
-                <a16:creationId xmlns="" xmlns:a16="http://schemas.microsoft.com/office/drawing/2014/main" id="{D38FE608-8D17-49BB-972B-A46D5CF18168}"/>
+                <a16:creationId xmlns:a16="http://schemas.microsoft.com/office/drawing/2014/main" xmlns="" id="{D38FE608-8D17-49BB-972B-A46D5CF18168}"/>
               </a:ext>
             </a:extLst>
           </p:cNvPr>
@@ -21886,7 +21886,7 @@
           <p:cNvPr id="9" name="그림 8">
             <a:extLst>
               <a:ext uri="{FF2B5EF4-FFF2-40B4-BE49-F238E27FC236}">
-                <a16:creationId xmlns="" xmlns:a16="http://schemas.microsoft.com/office/drawing/2014/main" id="{A9C90B28-BE75-4AB6-B534-7442C4B24ED6}"/>
+                <a16:creationId xmlns:a16="http://schemas.microsoft.com/office/drawing/2014/main" xmlns="" id="{A9C90B28-BE75-4AB6-B534-7442C4B24ED6}"/>
               </a:ext>
             </a:extLst>
           </p:cNvPr>
@@ -23213,7 +23213,7 @@
           <p:cNvPr id="39" name="그룹 38">
             <a:extLst>
               <a:ext uri="{FF2B5EF4-FFF2-40B4-BE49-F238E27FC236}">
-                <a16:creationId xmlns="" xmlns:a16="http://schemas.microsoft.com/office/drawing/2014/main" id="{D38FE608-8D17-49BB-972B-A46D5CF18168}"/>
+                <a16:creationId xmlns:a16="http://schemas.microsoft.com/office/drawing/2014/main" xmlns="" id="{D38FE608-8D17-49BB-972B-A46D5CF18168}"/>
               </a:ext>
             </a:extLst>
           </p:cNvPr>
@@ -24061,7 +24061,7 @@
           <p:cNvPr id="9" name="그림 8">
             <a:extLst>
               <a:ext uri="{FF2B5EF4-FFF2-40B4-BE49-F238E27FC236}">
-                <a16:creationId xmlns="" xmlns:a16="http://schemas.microsoft.com/office/drawing/2014/main" id="{A9C90B28-BE75-4AB6-B534-7442C4B24ED6}"/>
+                <a16:creationId xmlns:a16="http://schemas.microsoft.com/office/drawing/2014/main" xmlns="" id="{A9C90B28-BE75-4AB6-B534-7442C4B24ED6}"/>
               </a:ext>
             </a:extLst>
           </p:cNvPr>
@@ -24098,7 +24098,7 @@
           <p:cNvPr id="39" name="그룹 38">
             <a:extLst>
               <a:ext uri="{FF2B5EF4-FFF2-40B4-BE49-F238E27FC236}">
-                <a16:creationId xmlns="" xmlns:a16="http://schemas.microsoft.com/office/drawing/2014/main" id="{D38FE608-8D17-49BB-972B-A46D5CF18168}"/>
+                <a16:creationId xmlns:a16="http://schemas.microsoft.com/office/drawing/2014/main" xmlns="" id="{D38FE608-8D17-49BB-972B-A46D5CF18168}"/>
               </a:ext>
             </a:extLst>
           </p:cNvPr>
@@ -25134,7 +25134,7 @@
           <p:cNvPr id="2" name="그룹 1">
             <a:extLst>
               <a:ext uri="{FF2B5EF4-FFF2-40B4-BE49-F238E27FC236}">
-                <a16:creationId xmlns="" xmlns:a16="http://schemas.microsoft.com/office/drawing/2014/main" id="{D38FE608-8D17-49BB-972B-A46D5CF18168}"/>
+                <a16:creationId xmlns:a16="http://schemas.microsoft.com/office/drawing/2014/main" xmlns="" id="{D38FE608-8D17-49BB-972B-A46D5CF18168}"/>
               </a:ext>
             </a:extLst>
           </p:cNvPr>
@@ -26283,7 +26283,7 @@
           <p:cNvPr id="10" name="그림 9">
             <a:extLst>
               <a:ext uri="{FF2B5EF4-FFF2-40B4-BE49-F238E27FC236}">
-                <a16:creationId xmlns="" xmlns:a16="http://schemas.microsoft.com/office/drawing/2014/main" id="{A9C90B28-BE75-4AB6-B534-7442C4B24ED6}"/>
+                <a16:creationId xmlns:a16="http://schemas.microsoft.com/office/drawing/2014/main" xmlns="" id="{A9C90B28-BE75-4AB6-B534-7442C4B24ED6}"/>
               </a:ext>
             </a:extLst>
           </p:cNvPr>
@@ -26357,7 +26357,7 @@
           <p:cNvPr id="2" name="그룹 1">
             <a:extLst>
               <a:ext uri="{FF2B5EF4-FFF2-40B4-BE49-F238E27FC236}">
-                <a16:creationId xmlns="" xmlns:a16="http://schemas.microsoft.com/office/drawing/2014/main" id="{D38FE608-8D17-49BB-972B-A46D5CF18168}"/>
+                <a16:creationId xmlns:a16="http://schemas.microsoft.com/office/drawing/2014/main" xmlns="" id="{D38FE608-8D17-49BB-972B-A46D5CF18168}"/>
               </a:ext>
             </a:extLst>
           </p:cNvPr>
@@ -27019,7 +27019,7 @@
           <p:cNvPr id="32" name="그림 31">
             <a:extLst>
               <a:ext uri="{FF2B5EF4-FFF2-40B4-BE49-F238E27FC236}">
-                <a16:creationId xmlns="" xmlns:a16="http://schemas.microsoft.com/office/drawing/2014/main" id="{A9C90B28-BE75-4AB6-B534-7442C4B24ED6}"/>
+                <a16:creationId xmlns:a16="http://schemas.microsoft.com/office/drawing/2014/main" xmlns="" id="{A9C90B28-BE75-4AB6-B534-7442C4B24ED6}"/>
               </a:ext>
             </a:extLst>
           </p:cNvPr>
@@ -29356,7 +29356,7 @@
           <p:cNvPr id="2" name="그룹 1">
             <a:extLst>
               <a:ext uri="{FF2B5EF4-FFF2-40B4-BE49-F238E27FC236}">
-                <a16:creationId xmlns="" xmlns:a16="http://schemas.microsoft.com/office/drawing/2014/main" id="{D38FE608-8D17-49BB-972B-A46D5CF18168}"/>
+                <a16:creationId xmlns:a16="http://schemas.microsoft.com/office/drawing/2014/main" xmlns="" id="{D38FE608-8D17-49BB-972B-A46D5CF18168}"/>
               </a:ext>
             </a:extLst>
           </p:cNvPr>
@@ -30018,7 +30018,7 @@
           <p:cNvPr id="32" name="그림 31">
             <a:extLst>
               <a:ext uri="{FF2B5EF4-FFF2-40B4-BE49-F238E27FC236}">
-                <a16:creationId xmlns="" xmlns:a16="http://schemas.microsoft.com/office/drawing/2014/main" id="{A9C90B28-BE75-4AB6-B534-7442C4B24ED6}"/>
+                <a16:creationId xmlns:a16="http://schemas.microsoft.com/office/drawing/2014/main" xmlns="" id="{A9C90B28-BE75-4AB6-B534-7442C4B24ED6}"/>
               </a:ext>
             </a:extLst>
           </p:cNvPr>
@@ -32056,7 +32056,7 @@
           <p:cNvPr id="2" name="그룹 1">
             <a:extLst>
               <a:ext uri="{FF2B5EF4-FFF2-40B4-BE49-F238E27FC236}">
-                <a16:creationId xmlns="" xmlns:a16="http://schemas.microsoft.com/office/drawing/2014/main" id="{D38FE608-8D17-49BB-972B-A46D5CF18168}"/>
+                <a16:creationId xmlns:a16="http://schemas.microsoft.com/office/drawing/2014/main" xmlns="" id="{D38FE608-8D17-49BB-972B-A46D5CF18168}"/>
               </a:ext>
             </a:extLst>
           </p:cNvPr>
@@ -33196,7 +33196,7 @@
           <p:cNvPr id="22" name="그림 21">
             <a:extLst>
               <a:ext uri="{FF2B5EF4-FFF2-40B4-BE49-F238E27FC236}">
-                <a16:creationId xmlns="" xmlns:a16="http://schemas.microsoft.com/office/drawing/2014/main" id="{A9C90B28-BE75-4AB6-B534-7442C4B24ED6}"/>
+                <a16:creationId xmlns:a16="http://schemas.microsoft.com/office/drawing/2014/main" xmlns="" id="{A9C90B28-BE75-4AB6-B534-7442C4B24ED6}"/>
               </a:ext>
             </a:extLst>
           </p:cNvPr>
@@ -33516,7 +33516,7 @@
           <p:cNvPr id="2" name="그룹 1">
             <a:extLst>
               <a:ext uri="{FF2B5EF4-FFF2-40B4-BE49-F238E27FC236}">
-                <a16:creationId xmlns="" xmlns:a16="http://schemas.microsoft.com/office/drawing/2014/main" id="{D38FE608-8D17-49BB-972B-A46D5CF18168}"/>
+                <a16:creationId xmlns:a16="http://schemas.microsoft.com/office/drawing/2014/main" xmlns="" id="{D38FE608-8D17-49BB-972B-A46D5CF18168}"/>
               </a:ext>
             </a:extLst>
           </p:cNvPr>
@@ -34327,7 +34327,7 @@
           <p:cNvPr id="20" name="그림 19">
             <a:extLst>
               <a:ext uri="{FF2B5EF4-FFF2-40B4-BE49-F238E27FC236}">
-                <a16:creationId xmlns="" xmlns:a16="http://schemas.microsoft.com/office/drawing/2014/main" id="{A9C90B28-BE75-4AB6-B534-7442C4B24ED6}"/>
+                <a16:creationId xmlns:a16="http://schemas.microsoft.com/office/drawing/2014/main" xmlns="" id="{A9C90B28-BE75-4AB6-B534-7442C4B24ED6}"/>
               </a:ext>
             </a:extLst>
           </p:cNvPr>
@@ -34989,7 +34989,7 @@
           <p:cNvPr id="2" name="그룹 1">
             <a:extLst>
               <a:ext uri="{FF2B5EF4-FFF2-40B4-BE49-F238E27FC236}">
-                <a16:creationId xmlns="" xmlns:a16="http://schemas.microsoft.com/office/drawing/2014/main" id="{D38FE608-8D17-49BB-972B-A46D5CF18168}"/>
+                <a16:creationId xmlns:a16="http://schemas.microsoft.com/office/drawing/2014/main" xmlns="" id="{D38FE608-8D17-49BB-972B-A46D5CF18168}"/>
               </a:ext>
             </a:extLst>
           </p:cNvPr>
@@ -36119,7 +36119,7 @@
           <p:cNvPr id="24" name="그림 23">
             <a:extLst>
               <a:ext uri="{FF2B5EF4-FFF2-40B4-BE49-F238E27FC236}">
-                <a16:creationId xmlns="" xmlns:a16="http://schemas.microsoft.com/office/drawing/2014/main" id="{A9C90B28-BE75-4AB6-B534-7442C4B24ED6}"/>
+                <a16:creationId xmlns:a16="http://schemas.microsoft.com/office/drawing/2014/main" xmlns="" id="{A9C90B28-BE75-4AB6-B534-7442C4B24ED6}"/>
               </a:ext>
             </a:extLst>
           </p:cNvPr>
@@ -36193,7 +36193,7 @@
           <p:cNvPr id="2" name="그룹 1">
             <a:extLst>
               <a:ext uri="{FF2B5EF4-FFF2-40B4-BE49-F238E27FC236}">
-                <a16:creationId xmlns="" xmlns:a16="http://schemas.microsoft.com/office/drawing/2014/main" id="{D38FE608-8D17-49BB-972B-A46D5CF18168}"/>
+                <a16:creationId xmlns:a16="http://schemas.microsoft.com/office/drawing/2014/main" xmlns="" id="{D38FE608-8D17-49BB-972B-A46D5CF18168}"/>
               </a:ext>
             </a:extLst>
           </p:cNvPr>
@@ -36997,7 +36997,7 @@
           <p:cNvPr id="2" name="그룹 1">
             <a:extLst>
               <a:ext uri="{FF2B5EF4-FFF2-40B4-BE49-F238E27FC236}">
-                <a16:creationId xmlns="" xmlns:a16="http://schemas.microsoft.com/office/drawing/2014/main" id="{D38FE608-8D17-49BB-972B-A46D5CF18168}"/>
+                <a16:creationId xmlns:a16="http://schemas.microsoft.com/office/drawing/2014/main" xmlns="" id="{D38FE608-8D17-49BB-972B-A46D5CF18168}"/>
               </a:ext>
             </a:extLst>
           </p:cNvPr>
@@ -37682,7 +37682,7 @@
           <p:cNvPr id="26" name="그림 25">
             <a:extLst>
               <a:ext uri="{FF2B5EF4-FFF2-40B4-BE49-F238E27FC236}">
-                <a16:creationId xmlns="" xmlns:a16="http://schemas.microsoft.com/office/drawing/2014/main" id="{A9C90B28-BE75-4AB6-B534-7442C4B24ED6}"/>
+                <a16:creationId xmlns:a16="http://schemas.microsoft.com/office/drawing/2014/main" xmlns="" id="{A9C90B28-BE75-4AB6-B534-7442C4B24ED6}"/>
               </a:ext>
             </a:extLst>
           </p:cNvPr>
@@ -37944,7 +37944,7 @@
           <p:cNvPr id="9" name="그림 8">
             <a:extLst>
               <a:ext uri="{FF2B5EF4-FFF2-40B4-BE49-F238E27FC236}">
-                <a16:creationId xmlns="" xmlns:a16="http://schemas.microsoft.com/office/drawing/2014/main" id="{A9C90B28-BE75-4AB6-B534-7442C4B24ED6}"/>
+                <a16:creationId xmlns:a16="http://schemas.microsoft.com/office/drawing/2014/main" xmlns="" id="{A9C90B28-BE75-4AB6-B534-7442C4B24ED6}"/>
               </a:ext>
             </a:extLst>
           </p:cNvPr>
@@ -38018,7 +38018,7 @@
           <p:cNvPr id="2" name="그룹 1">
             <a:extLst>
               <a:ext uri="{FF2B5EF4-FFF2-40B4-BE49-F238E27FC236}">
-                <a16:creationId xmlns="" xmlns:a16="http://schemas.microsoft.com/office/drawing/2014/main" id="{D38FE608-8D17-49BB-972B-A46D5CF18168}"/>
+                <a16:creationId xmlns:a16="http://schemas.microsoft.com/office/drawing/2014/main" xmlns="" id="{D38FE608-8D17-49BB-972B-A46D5CF18168}"/>
               </a:ext>
             </a:extLst>
           </p:cNvPr>
@@ -38863,7 +38863,7 @@
           <p:cNvPr id="14" name="그림 13">
             <a:extLst>
               <a:ext uri="{FF2B5EF4-FFF2-40B4-BE49-F238E27FC236}">
-                <a16:creationId xmlns="" xmlns:a16="http://schemas.microsoft.com/office/drawing/2014/main" id="{A9C90B28-BE75-4AB6-B534-7442C4B24ED6}"/>
+                <a16:creationId xmlns:a16="http://schemas.microsoft.com/office/drawing/2014/main" xmlns="" id="{A9C90B28-BE75-4AB6-B534-7442C4B24ED6}"/>
               </a:ext>
             </a:extLst>
           </p:cNvPr>
@@ -39015,7 +39015,7 @@
           <p:cNvPr id="2" name="그룹 1">
             <a:extLst>
               <a:ext uri="{FF2B5EF4-FFF2-40B4-BE49-F238E27FC236}">
-                <a16:creationId xmlns="" xmlns:a16="http://schemas.microsoft.com/office/drawing/2014/main" id="{D38FE608-8D17-49BB-972B-A46D5CF18168}"/>
+                <a16:creationId xmlns:a16="http://schemas.microsoft.com/office/drawing/2014/main" xmlns="" id="{D38FE608-8D17-49BB-972B-A46D5CF18168}"/>
               </a:ext>
             </a:extLst>
           </p:cNvPr>
@@ -39737,7 +39737,7 @@
           <p:cNvPr id="10" name="그림 9">
             <a:extLst>
               <a:ext uri="{FF2B5EF4-FFF2-40B4-BE49-F238E27FC236}">
-                <a16:creationId xmlns="" xmlns:a16="http://schemas.microsoft.com/office/drawing/2014/main" id="{A9C90B28-BE75-4AB6-B534-7442C4B24ED6}"/>
+                <a16:creationId xmlns:a16="http://schemas.microsoft.com/office/drawing/2014/main" xmlns="" id="{A9C90B28-BE75-4AB6-B534-7442C4B24ED6}"/>
               </a:ext>
             </a:extLst>
           </p:cNvPr>
@@ -40128,7 +40128,7 @@
           <p:cNvPr id="2" name="그룹 1">
             <a:extLst>
               <a:ext uri="{FF2B5EF4-FFF2-40B4-BE49-F238E27FC236}">
-                <a16:creationId xmlns="" xmlns:a16="http://schemas.microsoft.com/office/drawing/2014/main" id="{D38FE608-8D17-49BB-972B-A46D5CF18168}"/>
+                <a16:creationId xmlns:a16="http://schemas.microsoft.com/office/drawing/2014/main" xmlns="" id="{D38FE608-8D17-49BB-972B-A46D5CF18168}"/>
               </a:ext>
             </a:extLst>
           </p:cNvPr>
@@ -40835,7 +40835,7 @@
           <p:cNvPr id="18" name="그림 17">
             <a:extLst>
               <a:ext uri="{FF2B5EF4-FFF2-40B4-BE49-F238E27FC236}">
-                <a16:creationId xmlns="" xmlns:a16="http://schemas.microsoft.com/office/drawing/2014/main" id="{A9C90B28-BE75-4AB6-B534-7442C4B24ED6}"/>
+                <a16:creationId xmlns:a16="http://schemas.microsoft.com/office/drawing/2014/main" xmlns="" id="{A9C90B28-BE75-4AB6-B534-7442C4B24ED6}"/>
               </a:ext>
             </a:extLst>
           </p:cNvPr>
@@ -41446,7 +41446,7 @@
           <p:cNvPr id="6" name="그림 5">
             <a:extLst>
               <a:ext uri="{FF2B5EF4-FFF2-40B4-BE49-F238E27FC236}">
-                <a16:creationId xmlns="" xmlns:a16="http://schemas.microsoft.com/office/drawing/2014/main" id="{A9C90B28-BE75-4AB6-B534-7442C4B24ED6}"/>
+                <a16:creationId xmlns:a16="http://schemas.microsoft.com/office/drawing/2014/main" xmlns="" id="{A9C90B28-BE75-4AB6-B534-7442C4B24ED6}"/>
               </a:ext>
             </a:extLst>
           </p:cNvPr>
@@ -41520,7 +41520,7 @@
           <p:cNvPr id="2" name="그룹 1">
             <a:extLst>
               <a:ext uri="{FF2B5EF4-FFF2-40B4-BE49-F238E27FC236}">
-                <a16:creationId xmlns="" xmlns:a16="http://schemas.microsoft.com/office/drawing/2014/main" id="{D38FE608-8D17-49BB-972B-A46D5CF18168}"/>
+                <a16:creationId xmlns:a16="http://schemas.microsoft.com/office/drawing/2014/main" xmlns="" id="{D38FE608-8D17-49BB-972B-A46D5CF18168}"/>
               </a:ext>
             </a:extLst>
           </p:cNvPr>
@@ -42204,7 +42204,7 @@
           <p:cNvPr id="16" name="그림 15">
             <a:extLst>
               <a:ext uri="{FF2B5EF4-FFF2-40B4-BE49-F238E27FC236}">
-                <a16:creationId xmlns="" xmlns:a16="http://schemas.microsoft.com/office/drawing/2014/main" id="{A9C90B28-BE75-4AB6-B534-7442C4B24ED6}"/>
+                <a16:creationId xmlns:a16="http://schemas.microsoft.com/office/drawing/2014/main" xmlns="" id="{A9C90B28-BE75-4AB6-B534-7442C4B24ED6}"/>
               </a:ext>
             </a:extLst>
           </p:cNvPr>
@@ -42372,7 +42372,7 @@
           <p:cNvPr id="2" name="그룹 1">
             <a:extLst>
               <a:ext uri="{FF2B5EF4-FFF2-40B4-BE49-F238E27FC236}">
-                <a16:creationId xmlns="" xmlns:a16="http://schemas.microsoft.com/office/drawing/2014/main" id="{D38FE608-8D17-49BB-972B-A46D5CF18168}"/>
+                <a16:creationId xmlns:a16="http://schemas.microsoft.com/office/drawing/2014/main" xmlns="" id="{D38FE608-8D17-49BB-972B-A46D5CF18168}"/>
               </a:ext>
             </a:extLst>
           </p:cNvPr>
@@ -43056,7 +43056,7 @@
           <p:cNvPr id="16" name="그림 15">
             <a:extLst>
               <a:ext uri="{FF2B5EF4-FFF2-40B4-BE49-F238E27FC236}">
-                <a16:creationId xmlns="" xmlns:a16="http://schemas.microsoft.com/office/drawing/2014/main" id="{A9C90B28-BE75-4AB6-B534-7442C4B24ED6}"/>
+                <a16:creationId xmlns:a16="http://schemas.microsoft.com/office/drawing/2014/main" xmlns="" id="{A9C90B28-BE75-4AB6-B534-7442C4B24ED6}"/>
               </a:ext>
             </a:extLst>
           </p:cNvPr>
@@ -43265,7 +43265,7 @@
           <p:cNvPr id="2" name="그룹 1">
             <a:extLst>
               <a:ext uri="{FF2B5EF4-FFF2-40B4-BE49-F238E27FC236}">
-                <a16:creationId xmlns="" xmlns:a16="http://schemas.microsoft.com/office/drawing/2014/main" id="{D38FE608-8D17-49BB-972B-A46D5CF18168}"/>
+                <a16:creationId xmlns:a16="http://schemas.microsoft.com/office/drawing/2014/main" xmlns="" id="{D38FE608-8D17-49BB-972B-A46D5CF18168}"/>
               </a:ext>
             </a:extLst>
           </p:cNvPr>
@@ -44116,7 +44116,7 @@
           <p:cNvPr id="20" name="그림 19">
             <a:extLst>
               <a:ext uri="{FF2B5EF4-FFF2-40B4-BE49-F238E27FC236}">
-                <a16:creationId xmlns="" xmlns:a16="http://schemas.microsoft.com/office/drawing/2014/main" id="{A9C90B28-BE75-4AB6-B534-7442C4B24ED6}"/>
+                <a16:creationId xmlns:a16="http://schemas.microsoft.com/office/drawing/2014/main" xmlns="" id="{A9C90B28-BE75-4AB6-B534-7442C4B24ED6}"/>
               </a:ext>
             </a:extLst>
           </p:cNvPr>
@@ -44190,7 +44190,7 @@
           <p:cNvPr id="2" name="그룹 1">
             <a:extLst>
               <a:ext uri="{FF2B5EF4-FFF2-40B4-BE49-F238E27FC236}">
-                <a16:creationId xmlns="" xmlns:a16="http://schemas.microsoft.com/office/drawing/2014/main" id="{D38FE608-8D17-49BB-972B-A46D5CF18168}"/>
+                <a16:creationId xmlns:a16="http://schemas.microsoft.com/office/drawing/2014/main" xmlns="" id="{D38FE608-8D17-49BB-972B-A46D5CF18168}"/>
               </a:ext>
             </a:extLst>
           </p:cNvPr>
@@ -44897,7 +44897,7 @@
           <p:cNvPr id="21" name="그림 20">
             <a:extLst>
               <a:ext uri="{FF2B5EF4-FFF2-40B4-BE49-F238E27FC236}">
-                <a16:creationId xmlns="" xmlns:a16="http://schemas.microsoft.com/office/drawing/2014/main" id="{A9C90B28-BE75-4AB6-B534-7442C4B24ED6}"/>
+                <a16:creationId xmlns:a16="http://schemas.microsoft.com/office/drawing/2014/main" xmlns="" id="{A9C90B28-BE75-4AB6-B534-7442C4B24ED6}"/>
               </a:ext>
             </a:extLst>
           </p:cNvPr>
@@ -45083,7 +45083,7 @@
           <p:cNvPr id="2" name="그룹 1">
             <a:extLst>
               <a:ext uri="{FF2B5EF4-FFF2-40B4-BE49-F238E27FC236}">
-                <a16:creationId xmlns="" xmlns:a16="http://schemas.microsoft.com/office/drawing/2014/main" id="{D38FE608-8D17-49BB-972B-A46D5CF18168}"/>
+                <a16:creationId xmlns:a16="http://schemas.microsoft.com/office/drawing/2014/main" xmlns="" id="{D38FE608-8D17-49BB-972B-A46D5CF18168}"/>
               </a:ext>
             </a:extLst>
           </p:cNvPr>
@@ -45790,7 +45790,7 @@
           <p:cNvPr id="21" name="그림 20">
             <a:extLst>
               <a:ext uri="{FF2B5EF4-FFF2-40B4-BE49-F238E27FC236}">
-                <a16:creationId xmlns="" xmlns:a16="http://schemas.microsoft.com/office/drawing/2014/main" id="{A9C90B28-BE75-4AB6-B534-7442C4B24ED6}"/>
+                <a16:creationId xmlns:a16="http://schemas.microsoft.com/office/drawing/2014/main" xmlns="" id="{A9C90B28-BE75-4AB6-B534-7442C4B24ED6}"/>
               </a:ext>
             </a:extLst>
           </p:cNvPr>
@@ -45976,7 +45976,7 @@
           <p:cNvPr id="2" name="그룹 1">
             <a:extLst>
               <a:ext uri="{FF2B5EF4-FFF2-40B4-BE49-F238E27FC236}">
-                <a16:creationId xmlns="" xmlns:a16="http://schemas.microsoft.com/office/drawing/2014/main" id="{D38FE608-8D17-49BB-972B-A46D5CF18168}"/>
+                <a16:creationId xmlns:a16="http://schemas.microsoft.com/office/drawing/2014/main" xmlns="" id="{D38FE608-8D17-49BB-972B-A46D5CF18168}"/>
               </a:ext>
             </a:extLst>
           </p:cNvPr>
@@ -46683,7 +46683,7 @@
           <p:cNvPr id="15" name="그림 14">
             <a:extLst>
               <a:ext uri="{FF2B5EF4-FFF2-40B4-BE49-F238E27FC236}">
-                <a16:creationId xmlns="" xmlns:a16="http://schemas.microsoft.com/office/drawing/2014/main" id="{A9C90B28-BE75-4AB6-B534-7442C4B24ED6}"/>
+                <a16:creationId xmlns:a16="http://schemas.microsoft.com/office/drawing/2014/main" xmlns="" id="{A9C90B28-BE75-4AB6-B534-7442C4B24ED6}"/>
               </a:ext>
             </a:extLst>
           </p:cNvPr>
